--- a/baianh2.pptx
+++ b/baianh2.pptx
@@ -21281,7 +21281,7 @@
         </p:nvSpPr>
         <p:spPr>
           <a:xfrm>
-            <a:off x="3418114" y="679271"/>
+            <a:off x="3418114" y="157313"/>
             <a:ext cx="5355771" cy="1200329"/>
           </a:xfrm>
           <a:prstGeom prst="rect">
@@ -21302,218 +21302,6 @@
           </a:p>
         </p:txBody>
       </p:sp>
-      <p:pic>
-        <p:nvPicPr>
-          <p:cNvPr id="8" name="Picture 7"/>
-          <p:cNvPicPr>
-            <a:picLocks noChangeAspect="1"/>
-          </p:cNvPicPr>
-          <p:nvPr/>
-        </p:nvPicPr>
-        <p:blipFill rotWithShape="1">
-          <a:blip r:embed="rId3">
-            <a:extLst>
-              <a:ext uri="{28A0092B-C50C-407E-A947-70E740481C1C}">
-                <a14:useLocalDpi xmlns:a14="http://schemas.microsoft.com/office/drawing/2010/main" val="0"/>
-              </a:ext>
-            </a:extLst>
-          </a:blip>
-          <a:srcRect l="37824" t="38619" r="37911" b="38179"/>
-          <a:stretch/>
-        </p:blipFill>
-        <p:spPr>
-          <a:xfrm>
-            <a:off x="1280160" y="2707640"/>
-            <a:ext cx="1554480" cy="1605280"/>
-          </a:xfrm>
-          <a:prstGeom prst="ellipse">
-            <a:avLst/>
-          </a:prstGeom>
-          <a:ln w="63500" cap="rnd">
-            <a:solidFill>
-              <a:srgbClr val="333333"/>
-            </a:solidFill>
-          </a:ln>
-          <a:effectLst>
-            <a:outerShdw blurRad="381000" dist="292100" dir="5400000" sx="-80000" sy="-18000" rotWithShape="0">
-              <a:srgbClr val="000000">
-                <a:alpha val="22000"/>
-              </a:srgbClr>
-            </a:outerShdw>
-          </a:effectLst>
-          <a:scene3d>
-            <a:camera prst="orthographicFront"/>
-            <a:lightRig rig="contrasting" dir="t">
-              <a:rot lat="0" lon="0" rev="3000000"/>
-            </a:lightRig>
-          </a:scene3d>
-          <a:sp3d contourW="7620">
-            <a:bevelT w="95250" h="31750"/>
-            <a:contourClr>
-              <a:srgbClr val="333333"/>
-            </a:contourClr>
-          </a:sp3d>
-        </p:spPr>
-      </p:pic>
-      <p:pic>
-        <p:nvPicPr>
-          <p:cNvPr id="11" name="Picture 10"/>
-          <p:cNvPicPr>
-            <a:picLocks noChangeAspect="1"/>
-          </p:cNvPicPr>
-          <p:nvPr/>
-        </p:nvPicPr>
-        <p:blipFill rotWithShape="1">
-          <a:blip r:embed="rId3">
-            <a:extLst>
-              <a:ext uri="{28A0092B-C50C-407E-A947-70E740481C1C}">
-                <a14:useLocalDpi xmlns:a14="http://schemas.microsoft.com/office/drawing/2010/main" val="0"/>
-              </a:ext>
-            </a:extLst>
-          </a:blip>
-          <a:srcRect l="38000" t="63556" r="38000" b="12741"/>
-          <a:stretch/>
-        </p:blipFill>
-        <p:spPr>
-          <a:xfrm>
-            <a:off x="4114800" y="2743200"/>
-            <a:ext cx="1524000" cy="1625600"/>
-          </a:xfrm>
-          <a:prstGeom prst="ellipse">
-            <a:avLst/>
-          </a:prstGeom>
-          <a:ln w="63500" cap="rnd">
-            <a:solidFill>
-              <a:srgbClr val="333333"/>
-            </a:solidFill>
-          </a:ln>
-          <a:effectLst>
-            <a:outerShdw blurRad="381000" dist="292100" dir="5400000" sx="-80000" sy="-18000" rotWithShape="0">
-              <a:srgbClr val="000000">
-                <a:alpha val="22000"/>
-              </a:srgbClr>
-            </a:outerShdw>
-          </a:effectLst>
-          <a:scene3d>
-            <a:camera prst="orthographicFront"/>
-            <a:lightRig rig="contrasting" dir="t">
-              <a:rot lat="0" lon="0" rev="3000000"/>
-            </a:lightRig>
-          </a:scene3d>
-          <a:sp3d contourW="7620">
-            <a:bevelT w="95250" h="31750"/>
-            <a:contourClr>
-              <a:srgbClr val="333333"/>
-            </a:contourClr>
-          </a:sp3d>
-        </p:spPr>
-      </p:pic>
-      <p:pic>
-        <p:nvPicPr>
-          <p:cNvPr id="12" name="Picture 11"/>
-          <p:cNvPicPr>
-            <a:picLocks noChangeAspect="1"/>
-          </p:cNvPicPr>
-          <p:nvPr/>
-        </p:nvPicPr>
-        <p:blipFill rotWithShape="1">
-          <a:blip r:embed="rId3">
-            <a:extLst>
-              <a:ext uri="{28A0092B-C50C-407E-A947-70E740481C1C}">
-                <a14:useLocalDpi xmlns:a14="http://schemas.microsoft.com/office/drawing/2010/main" val="0"/>
-              </a:ext>
-            </a:extLst>
-          </a:blip>
-          <a:srcRect l="9520" t="12740" r="66000" b="64594"/>
-          <a:stretch/>
-        </p:blipFill>
-        <p:spPr>
-          <a:xfrm>
-            <a:off x="7112000" y="2778760"/>
-            <a:ext cx="1554480" cy="1554480"/>
-          </a:xfrm>
-          <a:prstGeom prst="ellipse">
-            <a:avLst/>
-          </a:prstGeom>
-          <a:ln w="63500" cap="rnd">
-            <a:solidFill>
-              <a:srgbClr val="333333"/>
-            </a:solidFill>
-          </a:ln>
-          <a:effectLst>
-            <a:outerShdw blurRad="381000" dist="292100" dir="5400000" sx="-80000" sy="-18000" rotWithShape="0">
-              <a:srgbClr val="000000">
-                <a:alpha val="22000"/>
-              </a:srgbClr>
-            </a:outerShdw>
-          </a:effectLst>
-          <a:scene3d>
-            <a:camera prst="orthographicFront"/>
-            <a:lightRig rig="contrasting" dir="t">
-              <a:rot lat="0" lon="0" rev="3000000"/>
-            </a:lightRig>
-          </a:scene3d>
-          <a:sp3d contourW="7620">
-            <a:bevelT w="95250" h="31750"/>
-            <a:contourClr>
-              <a:srgbClr val="333333"/>
-            </a:contourClr>
-          </a:sp3d>
-        </p:spPr>
-      </p:pic>
-      <p:pic>
-        <p:nvPicPr>
-          <p:cNvPr id="13" name="Picture 12"/>
-          <p:cNvPicPr>
-            <a:picLocks noChangeAspect="1"/>
-          </p:cNvPicPr>
-          <p:nvPr/>
-        </p:nvPicPr>
-        <p:blipFill rotWithShape="1">
-          <a:blip r:embed="rId3">
-            <a:extLst>
-              <a:ext uri="{28A0092B-C50C-407E-A947-70E740481C1C}">
-                <a14:useLocalDpi xmlns:a14="http://schemas.microsoft.com/office/drawing/2010/main" val="0"/>
-              </a:ext>
-            </a:extLst>
-          </a:blip>
-          <a:srcRect l="38000" t="13037" r="38000" b="65185"/>
-          <a:stretch/>
-        </p:blipFill>
-        <p:spPr>
-          <a:xfrm>
-            <a:off x="9946640" y="2778760"/>
-            <a:ext cx="1524000" cy="1493520"/>
-          </a:xfrm>
-          <a:prstGeom prst="ellipse">
-            <a:avLst/>
-          </a:prstGeom>
-          <a:ln w="63500" cap="rnd">
-            <a:solidFill>
-              <a:srgbClr val="333333"/>
-            </a:solidFill>
-          </a:ln>
-          <a:effectLst>
-            <a:outerShdw blurRad="381000" dist="292100" dir="5400000" sx="-80000" sy="-18000" rotWithShape="0">
-              <a:srgbClr val="000000">
-                <a:alpha val="22000"/>
-              </a:srgbClr>
-            </a:outerShdw>
-          </a:effectLst>
-          <a:scene3d>
-            <a:camera prst="orthographicFront"/>
-            <a:lightRig rig="contrasting" dir="t">
-              <a:rot lat="0" lon="0" rev="3000000"/>
-            </a:lightRig>
-          </a:scene3d>
-          <a:sp3d contourW="7620">
-            <a:bevelT w="95250" h="31750"/>
-            <a:contourClr>
-              <a:srgbClr val="333333"/>
-            </a:contourClr>
-          </a:sp3d>
-        </p:spPr>
-      </p:pic>
       <p:sp>
         <p:nvSpPr>
           <p:cNvPr id="16" name="TextBox 15"/>
@@ -21552,7 +21340,7 @@
         </p:nvSpPr>
         <p:spPr>
           <a:xfrm>
-            <a:off x="1492068" y="4518466"/>
+            <a:off x="1662299" y="3342361"/>
             <a:ext cx="1645920" cy="461665"/>
           </a:xfrm>
           <a:prstGeom prst="rect">
@@ -21586,7 +21374,7 @@
         </p:nvSpPr>
         <p:spPr>
           <a:xfrm>
-            <a:off x="4291985" y="4153208"/>
+            <a:off x="4416357" y="2973029"/>
             <a:ext cx="1259305" cy="830997"/>
           </a:xfrm>
           <a:prstGeom prst="rect">
@@ -21615,7 +21403,7 @@
         </p:nvSpPr>
         <p:spPr>
           <a:xfrm>
-            <a:off x="10083800" y="4418706"/>
+            <a:off x="10092019" y="3352799"/>
             <a:ext cx="1645920" cy="461665"/>
           </a:xfrm>
           <a:prstGeom prst="rect">
@@ -21651,7 +21439,7 @@
         </p:nvSpPr>
         <p:spPr>
           <a:xfrm>
-            <a:off x="7403122" y="4549243"/>
+            <a:off x="7314204" y="3440849"/>
             <a:ext cx="1451810" cy="400110"/>
           </a:xfrm>
           <a:prstGeom prst="rect">
@@ -21672,42 +21460,6 @@
           </a:p>
         </p:txBody>
       </p:sp>
-      <p:pic>
-        <p:nvPicPr>
-          <p:cNvPr id="6" name="Picture 5">
-            <a:extLst>
-              <a:ext uri="{FF2B5EF4-FFF2-40B4-BE49-F238E27FC236}">
-                <a16:creationId xmlns:a16="http://schemas.microsoft.com/office/drawing/2014/main" id="{CB659BEA-E90F-86DA-2663-9EAB3AE33C1C}"/>
-              </a:ext>
-            </a:extLst>
-          </p:cNvPr>
-          <p:cNvPicPr>
-            <a:picLocks noChangeAspect="1"/>
-          </p:cNvPicPr>
-          <p:nvPr/>
-        </p:nvPicPr>
-        <p:blipFill>
-          <a:blip r:embed="rId4" cstate="hqprint">
-            <a:extLst>
-              <a:ext uri="{28A0092B-C50C-407E-A947-70E740481C1C}">
-                <a14:useLocalDpi xmlns:a14="http://schemas.microsoft.com/office/drawing/2010/main" val="0"/>
-              </a:ext>
-            </a:extLst>
-          </a:blip>
-          <a:stretch>
-            <a:fillRect/>
-          </a:stretch>
-        </p:blipFill>
-        <p:spPr>
-          <a:xfrm flipH="1">
-            <a:off x="3908036" y="2440185"/>
-            <a:ext cx="1977629" cy="1977629"/>
-          </a:xfrm>
-          <a:prstGeom prst="rect">
-            <a:avLst/>
-          </a:prstGeom>
-        </p:spPr>
-      </p:pic>
       <p:sp>
         <p:nvSpPr>
           <p:cNvPr id="7" name="Oval 6">
@@ -21763,6 +21515,66 @@
           <p:nvPr/>
         </p:nvPicPr>
         <p:blipFill>
+          <a:blip r:embed="rId3">
+            <a:extLst>
+              <a:ext uri="{28A0092B-C50C-407E-A947-70E740481C1C}">
+                <a14:useLocalDpi xmlns:a14="http://schemas.microsoft.com/office/drawing/2010/main" val="0"/>
+              </a:ext>
+            </a:extLst>
+          </a:blip>
+          <a:stretch>
+            <a:fillRect/>
+          </a:stretch>
+        </p:blipFill>
+        <p:spPr>
+          <a:xfrm>
+            <a:off x="1270468" y="1226372"/>
+            <a:ext cx="1905000" cy="1905000"/>
+          </a:xfrm>
+          <a:prstGeom prst="rect">
+            <a:avLst/>
+          </a:prstGeom>
+        </p:spPr>
+      </p:pic>
+      <p:pic>
+        <p:nvPicPr>
+          <p:cNvPr id="9" name="Picture 8"/>
+          <p:cNvPicPr>
+            <a:picLocks noChangeAspect="1"/>
+          </p:cNvPicPr>
+          <p:nvPr/>
+        </p:nvPicPr>
+        <p:blipFill>
+          <a:blip r:embed="rId4">
+            <a:extLst>
+              <a:ext uri="{28A0092B-C50C-407E-A947-70E740481C1C}">
+                <a14:useLocalDpi xmlns:a14="http://schemas.microsoft.com/office/drawing/2010/main" val="0"/>
+              </a:ext>
+            </a:extLst>
+          </a:blip>
+          <a:stretch>
+            <a:fillRect/>
+          </a:stretch>
+        </p:blipFill>
+        <p:spPr>
+          <a:xfrm>
+            <a:off x="9426551" y="1226691"/>
+            <a:ext cx="1910927" cy="1910927"/>
+          </a:xfrm>
+          <a:prstGeom prst="rect">
+            <a:avLst/>
+          </a:prstGeom>
+        </p:spPr>
+      </p:pic>
+      <p:pic>
+        <p:nvPicPr>
+          <p:cNvPr id="15" name="Picture 14"/>
+          <p:cNvPicPr>
+            <a:picLocks noChangeAspect="1"/>
+          </p:cNvPicPr>
+          <p:nvPr/>
+        </p:nvPicPr>
+        <p:blipFill>
           <a:blip r:embed="rId5">
             <a:extLst>
               <a:ext uri="{28A0092B-C50C-407E-A947-70E740481C1C}">
@@ -21776,17 +21588,51 @@
         </p:blipFill>
         <p:spPr>
           <a:xfrm>
-            <a:off x="1138953" y="2446437"/>
-            <a:ext cx="1905000" cy="1905000"/>
+            <a:off x="6859411" y="1153743"/>
+            <a:ext cx="1977629" cy="1977629"/>
           </a:xfrm>
           <a:prstGeom prst="rect">
             <a:avLst/>
           </a:prstGeom>
         </p:spPr>
       </p:pic>
+      <p:sp>
+        <p:nvSpPr>
+          <p:cNvPr id="19" name="TextBox 18"/>
+          <p:cNvSpPr txBox="1"/>
+          <p:nvPr/>
+        </p:nvSpPr>
+        <p:spPr>
+          <a:xfrm>
+            <a:off x="3127928" y="5965134"/>
+            <a:ext cx="1645920" cy="461665"/>
+          </a:xfrm>
+          <a:prstGeom prst="rect">
+            <a:avLst/>
+          </a:prstGeom>
+          <a:noFill/>
+        </p:spPr>
+        <p:txBody>
+          <a:bodyPr wrap="square" rtlCol="0">
+            <a:spAutoFit/>
+          </a:bodyPr>
+          <a:lstStyle/>
+          <a:p>
+            <a:r>
+              <a:rPr lang="en-US" dirty="0"/>
+              <a:t>   </a:t>
+            </a:r>
+            <a:r>
+              <a:rPr lang="en-US" sz="2400" dirty="0" err="1" smtClean="0"/>
+              <a:t>Quân</a:t>
+            </a:r>
+            <a:endParaRPr lang="en-US" sz="2400" dirty="0"/>
+          </a:p>
+        </p:txBody>
+      </p:sp>
       <p:pic>
         <p:nvPicPr>
-          <p:cNvPr id="9" name="Picture 8"/>
+          <p:cNvPr id="20" name="Picture 19"/>
           <p:cNvPicPr>
             <a:picLocks noChangeAspect="1"/>
           </p:cNvPicPr>
@@ -21806,17 +21652,51 @@
         </p:blipFill>
         <p:spPr>
           <a:xfrm>
-            <a:off x="9559713" y="2401993"/>
-            <a:ext cx="1910927" cy="1910927"/>
+            <a:off x="7010320" y="3981538"/>
+            <a:ext cx="2059577" cy="1912648"/>
           </a:xfrm>
           <a:prstGeom prst="rect">
             <a:avLst/>
           </a:prstGeom>
         </p:spPr>
       </p:pic>
+      <p:sp>
+        <p:nvSpPr>
+          <p:cNvPr id="22" name="TextBox 21"/>
+          <p:cNvSpPr txBox="1"/>
+          <p:nvPr/>
+        </p:nvSpPr>
+        <p:spPr>
+          <a:xfrm>
+            <a:off x="7314204" y="6034765"/>
+            <a:ext cx="1581443" cy="461665"/>
+          </a:xfrm>
+          <a:prstGeom prst="rect">
+            <a:avLst/>
+          </a:prstGeom>
+          <a:noFill/>
+        </p:spPr>
+        <p:txBody>
+          <a:bodyPr wrap="square" rtlCol="0">
+            <a:spAutoFit/>
+          </a:bodyPr>
+          <a:lstStyle/>
+          <a:p>
+            <a:r>
+              <a:rPr lang="en-US" sz="2400" dirty="0" err="1" smtClean="0"/>
+              <a:t>Đức</a:t>
+            </a:r>
+            <a:r>
+              <a:rPr lang="en-US" sz="2400" dirty="0" smtClean="0"/>
+              <a:t> Minh</a:t>
+            </a:r>
+            <a:endParaRPr lang="en-US" sz="2400" dirty="0"/>
+          </a:p>
+        </p:txBody>
+      </p:sp>
       <p:pic>
         <p:nvPicPr>
-          <p:cNvPr id="15" name="Picture 14"/>
+          <p:cNvPr id="8" name="Picture 7"/>
           <p:cNvPicPr>
             <a:picLocks noChangeAspect="1"/>
           </p:cNvPicPr>
@@ -21836,8 +21716,38 @@
         </p:blipFill>
         <p:spPr>
           <a:xfrm>
-            <a:off x="7026720" y="2440185"/>
-            <a:ext cx="1977629" cy="1977629"/>
+            <a:off x="2677885" y="3981539"/>
+            <a:ext cx="2095963" cy="1912648"/>
+          </a:xfrm>
+          <a:prstGeom prst="rect">
+            <a:avLst/>
+          </a:prstGeom>
+        </p:spPr>
+      </p:pic>
+      <p:pic>
+        <p:nvPicPr>
+          <p:cNvPr id="10" name="Picture 9"/>
+          <p:cNvPicPr>
+            <a:picLocks noChangeAspect="1"/>
+          </p:cNvPicPr>
+          <p:nvPr/>
+        </p:nvPicPr>
+        <p:blipFill>
+          <a:blip r:embed="rId8">
+            <a:extLst>
+              <a:ext uri="{28A0092B-C50C-407E-A947-70E740481C1C}">
+                <a14:useLocalDpi xmlns:a14="http://schemas.microsoft.com/office/drawing/2010/main" val="0"/>
+              </a:ext>
+            </a:extLst>
+          </a:blip>
+          <a:stretch>
+            <a:fillRect/>
+          </a:stretch>
+        </p:blipFill>
+        <p:spPr>
+          <a:xfrm>
+            <a:off x="4031467" y="1224168"/>
+            <a:ext cx="1905000" cy="1905000"/>
           </a:xfrm>
           <a:prstGeom prst="rect">
             <a:avLst/>
@@ -22195,7 +22105,7 @@
                       <a14:useLocalDpi xmlns:a14="http://schemas.microsoft.com/office/drawing/2010/main" val="0"/>
                     </a:ext>
                     <a:ext uri="{96DAC541-7B7A-43D3-8B79-37D633B846F1}">
-                      <asvg:svgBlip xmlns:asvg="http://schemas.microsoft.com/office/drawing/2016/SVG/main" xmlns="" r:embed="rId3"/>
+                      <asvg:svgBlip xmlns="" xmlns:asvg="http://schemas.microsoft.com/office/drawing/2016/SVG/main" r:embed="rId3"/>
                     </a:ext>
                   </a:extLst>
                 </a:blip>
@@ -22322,7 +22232,7 @@
                     <a14:useLocalDpi xmlns:a14="http://schemas.microsoft.com/office/drawing/2010/main" val="0"/>
                   </a:ext>
                   <a:ext uri="{96DAC541-7B7A-43D3-8B79-37D633B846F1}">
-                    <asvg:svgBlip xmlns:asvg="http://schemas.microsoft.com/office/drawing/2016/SVG/main" xmlns="" r:embed="rId6"/>
+                    <asvg:svgBlip xmlns="" xmlns:asvg="http://schemas.microsoft.com/office/drawing/2016/SVG/main" r:embed="rId6"/>
                   </a:ext>
                 </a:extLst>
               </a:blip>
@@ -22511,7 +22421,7 @@
                 <a14:useLocalDpi xmlns:a14="http://schemas.microsoft.com/office/drawing/2010/main" val="0"/>
               </a:ext>
               <a:ext uri="{96DAC541-7B7A-43D3-8B79-37D633B846F1}">
-                <asvg:svgBlip xmlns:asvg="http://schemas.microsoft.com/office/drawing/2016/SVG/main" xmlns="" r:embed="rId9"/>
+                <asvg:svgBlip xmlns="" xmlns:asvg="http://schemas.microsoft.com/office/drawing/2016/SVG/main" r:embed="rId9"/>
               </a:ext>
             </a:extLst>
           </a:blip>
@@ -22840,7 +22750,7 @@
                     <a14:useLocalDpi xmlns:a14="http://schemas.microsoft.com/office/drawing/2010/main" val="0"/>
                   </a:ext>
                   <a:ext uri="{96DAC541-7B7A-43D3-8B79-37D633B846F1}">
-                    <asvg:svgBlip xmlns:asvg="http://schemas.microsoft.com/office/drawing/2016/SVG/main" xmlns="" r:embed="rId11"/>
+                    <asvg:svgBlip xmlns="" xmlns:asvg="http://schemas.microsoft.com/office/drawing/2016/SVG/main" r:embed="rId11"/>
                   </a:ext>
                 </a:extLst>
               </a:blip>
@@ -23385,7 +23295,7 @@
                   <a14:useLocalDpi xmlns:a14="http://schemas.microsoft.com/office/drawing/2010/main" val="0"/>
                 </a:ext>
                 <a:ext uri="{96DAC541-7B7A-43D3-8B79-37D633B846F1}">
-                  <asvg:svgBlip xmlns:asvg="http://schemas.microsoft.com/office/drawing/2016/SVG/main" xmlns="" r:embed="rId9"/>
+                  <asvg:svgBlip xmlns="" xmlns:asvg="http://schemas.microsoft.com/office/drawing/2016/SVG/main" r:embed="rId9"/>
                 </a:ext>
               </a:extLst>
             </a:blip>
@@ -23897,7 +23807,7 @@
                   <a14:useLocalDpi xmlns:a14="http://schemas.microsoft.com/office/drawing/2010/main" val="0"/>
                 </a:ext>
                 <a:ext uri="{96DAC541-7B7A-43D3-8B79-37D633B846F1}">
-                  <asvg:svgBlip xmlns:asvg="http://schemas.microsoft.com/office/drawing/2016/SVG/main" xmlns="" r:embed="rId20"/>
+                  <asvg:svgBlip xmlns="" xmlns:asvg="http://schemas.microsoft.com/office/drawing/2016/SVG/main" r:embed="rId20"/>
                 </a:ext>
               </a:extLst>
             </a:blip>
@@ -24323,7 +24233,7 @@
                   <a14:useLocalDpi xmlns:a14="http://schemas.microsoft.com/office/drawing/2010/main" val="0"/>
                 </a:ext>
                 <a:ext uri="{96DAC541-7B7A-43D3-8B79-37D633B846F1}">
-                  <asvg:svgBlip xmlns:asvg="http://schemas.microsoft.com/office/drawing/2016/SVG/main" xmlns="" r:embed="rId23"/>
+                  <asvg:svgBlip xmlns="" xmlns:asvg="http://schemas.microsoft.com/office/drawing/2016/SVG/main" r:embed="rId23"/>
                 </a:ext>
               </a:extLst>
             </a:blip>
